--- a/apistrat-2018/img/label-scenarios.pptx
+++ b/apistrat-2018/img/label-scenarios.pptx
@@ -10,6 +10,7 @@
     <p:sldId id="261" r:id="rId4"/>
     <p:sldId id="262" r:id="rId5"/>
     <p:sldId id="263" r:id="rId6"/>
+    <p:sldId id="264" r:id="rId7"/>
   </p:sldIdLst>
   <p:sldSz cx="9144000" cy="5715000" type="screen16x10"/>
   <p:notesSz cx="6858000" cy="9144000"/>
@@ -247,7 +248,7 @@
           <a:p>
             <a:fld id="{7C958D04-7DDE-4045-8F2E-2AD174BDEFD3}" type="datetimeFigureOut">
               <a:rPr lang="en-US" smtClean="0"/>
-              <a:t>9/20/18</a:t>
+              <a:t>9/24/18</a:t>
             </a:fld>
             <a:endParaRPr lang="en-US"/>
           </a:p>
@@ -417,7 +418,7 @@
           <a:p>
             <a:fld id="{7C958D04-7DDE-4045-8F2E-2AD174BDEFD3}" type="datetimeFigureOut">
               <a:rPr lang="en-US" smtClean="0"/>
-              <a:t>9/20/18</a:t>
+              <a:t>9/24/18</a:t>
             </a:fld>
             <a:endParaRPr lang="en-US"/>
           </a:p>
@@ -597,7 +598,7 @@
           <a:p>
             <a:fld id="{7C958D04-7DDE-4045-8F2E-2AD174BDEFD3}" type="datetimeFigureOut">
               <a:rPr lang="en-US" smtClean="0"/>
-              <a:t>9/20/18</a:t>
+              <a:t>9/24/18</a:t>
             </a:fld>
             <a:endParaRPr lang="en-US"/>
           </a:p>
@@ -767,7 +768,7 @@
           <a:p>
             <a:fld id="{7C958D04-7DDE-4045-8F2E-2AD174BDEFD3}" type="datetimeFigureOut">
               <a:rPr lang="en-US" smtClean="0"/>
-              <a:t>9/20/18</a:t>
+              <a:t>9/24/18</a:t>
             </a:fld>
             <a:endParaRPr lang="en-US"/>
           </a:p>
@@ -1013,7 +1014,7 @@
           <a:p>
             <a:fld id="{7C958D04-7DDE-4045-8F2E-2AD174BDEFD3}" type="datetimeFigureOut">
               <a:rPr lang="en-US" smtClean="0"/>
-              <a:t>9/20/18</a:t>
+              <a:t>9/24/18</a:t>
             </a:fld>
             <a:endParaRPr lang="en-US"/>
           </a:p>
@@ -1245,7 +1246,7 @@
           <a:p>
             <a:fld id="{7C958D04-7DDE-4045-8F2E-2AD174BDEFD3}" type="datetimeFigureOut">
               <a:rPr lang="en-US" smtClean="0"/>
-              <a:t>9/20/18</a:t>
+              <a:t>9/24/18</a:t>
             </a:fld>
             <a:endParaRPr lang="en-US"/>
           </a:p>
@@ -1612,7 +1613,7 @@
           <a:p>
             <a:fld id="{7C958D04-7DDE-4045-8F2E-2AD174BDEFD3}" type="datetimeFigureOut">
               <a:rPr lang="en-US" smtClean="0"/>
-              <a:t>9/20/18</a:t>
+              <a:t>9/24/18</a:t>
             </a:fld>
             <a:endParaRPr lang="en-US"/>
           </a:p>
@@ -1730,7 +1731,7 @@
           <a:p>
             <a:fld id="{7C958D04-7DDE-4045-8F2E-2AD174BDEFD3}" type="datetimeFigureOut">
               <a:rPr lang="en-US" smtClean="0"/>
-              <a:t>9/20/18</a:t>
+              <a:t>9/24/18</a:t>
             </a:fld>
             <a:endParaRPr lang="en-US"/>
           </a:p>
@@ -1825,7 +1826,7 @@
           <a:p>
             <a:fld id="{7C958D04-7DDE-4045-8F2E-2AD174BDEFD3}" type="datetimeFigureOut">
               <a:rPr lang="en-US" smtClean="0"/>
-              <a:t>9/20/18</a:t>
+              <a:t>9/24/18</a:t>
             </a:fld>
             <a:endParaRPr lang="en-US"/>
           </a:p>
@@ -2102,7 +2103,7 @@
           <a:p>
             <a:fld id="{7C958D04-7DDE-4045-8F2E-2AD174BDEFD3}" type="datetimeFigureOut">
               <a:rPr lang="en-US" smtClean="0"/>
-              <a:t>9/20/18</a:t>
+              <a:t>9/24/18</a:t>
             </a:fld>
             <a:endParaRPr lang="en-US"/>
           </a:p>
@@ -2359,7 +2360,7 @@
           <a:p>
             <a:fld id="{7C958D04-7DDE-4045-8F2E-2AD174BDEFD3}" type="datetimeFigureOut">
               <a:rPr lang="en-US" smtClean="0"/>
-              <a:t>9/20/18</a:t>
+              <a:t>9/24/18</a:t>
             </a:fld>
             <a:endParaRPr lang="en-US"/>
           </a:p>
@@ -2572,7 +2573,7 @@
           <a:p>
             <a:fld id="{7C958D04-7DDE-4045-8F2E-2AD174BDEFD3}" type="datetimeFigureOut">
               <a:rPr lang="en-US" smtClean="0"/>
-              <a:t>9/20/18</a:t>
+              <a:t>9/24/18</a:t>
             </a:fld>
             <a:endParaRPr lang="en-US"/>
           </a:p>
@@ -6065,6 +6066,559 @@
 </p:sld>
 </file>
 
+<file path=ppt/slides/slide6.xml><?xml version="1.0" encoding="utf-8"?>
+<p:sld xmlns:a="http://schemas.openxmlformats.org/drawingml/2006/main" xmlns:r="http://schemas.openxmlformats.org/officeDocument/2006/relationships" xmlns:p="http://schemas.openxmlformats.org/presentationml/2006/main">
+  <p:cSld>
+    <p:spTree>
+      <p:nvGrpSpPr>
+        <p:cNvPr id="1" name=""/>
+        <p:cNvGrpSpPr/>
+        <p:nvPr/>
+      </p:nvGrpSpPr>
+      <p:grpSpPr>
+        <a:xfrm>
+          <a:off x="0" y="0"/>
+          <a:ext cx="0" cy="0"/>
+          <a:chOff x="0" y="0"/>
+          <a:chExt cx="0" cy="0"/>
+        </a:xfrm>
+      </p:grpSpPr>
+      <p:pic>
+        <p:nvPicPr>
+          <p:cNvPr id="5" name="Graphic 4" descr="Computer">
+            <a:extLst>
+              <a:ext uri="{FF2B5EF4-FFF2-40B4-BE49-F238E27FC236}">
+                <a16:creationId xmlns:a16="http://schemas.microsoft.com/office/drawing/2014/main" id="{D8754196-1339-944B-8F20-51D129ACAE34}"/>
+              </a:ext>
+            </a:extLst>
+          </p:cNvPr>
+          <p:cNvPicPr>
+            <a:picLocks noChangeAspect="1"/>
+          </p:cNvPicPr>
+          <p:nvPr/>
+        </p:nvPicPr>
+        <p:blipFill>
+          <a:blip r:embed="rId2">
+            <a:extLst>
+              <a:ext uri="{96DAC541-7B7A-43D3-8B79-37D633B846F1}">
+                <asvg:svgBlip xmlns:asvg="http://schemas.microsoft.com/office/drawing/2016/SVG/main" r:embed="rId3"/>
+              </a:ext>
+            </a:extLst>
+          </a:blip>
+          <a:stretch>
+            <a:fillRect/>
+          </a:stretch>
+        </p:blipFill>
+        <p:spPr>
+          <a:xfrm>
+            <a:off x="1009160" y="2244109"/>
+            <a:ext cx="1135766" cy="1135766"/>
+          </a:xfrm>
+          <a:prstGeom prst="rect">
+            <a:avLst/>
+          </a:prstGeom>
+        </p:spPr>
+      </p:pic>
+      <p:grpSp>
+        <p:nvGrpSpPr>
+          <p:cNvPr id="11" name="Group 10">
+            <a:extLst>
+              <a:ext uri="{FF2B5EF4-FFF2-40B4-BE49-F238E27FC236}">
+                <a16:creationId xmlns:a16="http://schemas.microsoft.com/office/drawing/2014/main" id="{368E1D57-3F93-294F-9116-035714E2E46F}"/>
+              </a:ext>
+            </a:extLst>
+          </p:cNvPr>
+          <p:cNvGrpSpPr/>
+          <p:nvPr/>
+        </p:nvGrpSpPr>
+        <p:grpSpPr>
+          <a:xfrm>
+            <a:off x="6953493" y="2572179"/>
+            <a:ext cx="850134" cy="479626"/>
+            <a:chOff x="8079129" y="2404641"/>
+            <a:chExt cx="3020991" cy="1704372"/>
+          </a:xfrm>
+        </p:grpSpPr>
+        <p:sp>
+          <p:nvSpPr>
+            <p:cNvPr id="10" name="Card 9">
+              <a:extLst>
+                <a:ext uri="{FF2B5EF4-FFF2-40B4-BE49-F238E27FC236}">
+                  <a16:creationId xmlns:a16="http://schemas.microsoft.com/office/drawing/2014/main" id="{364D468A-C21F-9B45-B700-DC31B664B792}"/>
+                </a:ext>
+              </a:extLst>
+            </p:cNvPr>
+            <p:cNvSpPr/>
+            <p:nvPr/>
+          </p:nvSpPr>
+          <p:spPr>
+            <a:xfrm>
+              <a:off x="8079129" y="2404641"/>
+              <a:ext cx="3020991" cy="1704372"/>
+            </a:xfrm>
+            <a:prstGeom prst="flowChartPunchedCard">
+              <a:avLst/>
+            </a:prstGeom>
+          </p:spPr>
+          <p:style>
+            <a:lnRef idx="2">
+              <a:schemeClr val="accent1">
+                <a:shade val="50000"/>
+              </a:schemeClr>
+            </a:lnRef>
+            <a:fillRef idx="1">
+              <a:schemeClr val="accent1"/>
+            </a:fillRef>
+            <a:effectRef idx="0">
+              <a:schemeClr val="accent1"/>
+            </a:effectRef>
+            <a:fontRef idx="minor">
+              <a:schemeClr val="lt1"/>
+            </a:fontRef>
+          </p:style>
+          <p:txBody>
+            <a:bodyPr rtlCol="0" anchor="ctr"/>
+            <a:lstStyle/>
+            <a:p>
+              <a:pPr algn="ctr"/>
+              <a:endParaRPr lang="en-US" sz="1013"/>
+            </a:p>
+          </p:txBody>
+        </p:sp>
+        <p:pic>
+          <p:nvPicPr>
+            <p:cNvPr id="8" name="Picture 7">
+              <a:extLst>
+                <a:ext uri="{FF2B5EF4-FFF2-40B4-BE49-F238E27FC236}">
+                  <a16:creationId xmlns:a16="http://schemas.microsoft.com/office/drawing/2014/main" id="{E877EC3C-0AFA-9549-9AD2-9E170ABFB55C}"/>
+                </a:ext>
+              </a:extLst>
+            </p:cNvPr>
+            <p:cNvPicPr>
+              <a:picLocks noChangeAspect="1"/>
+            </p:cNvPicPr>
+            <p:nvPr/>
+          </p:nvPicPr>
+          <p:blipFill>
+            <a:blip r:embed="rId4"/>
+            <a:stretch>
+              <a:fillRect/>
+            </a:stretch>
+          </p:blipFill>
+          <p:spPr>
+            <a:xfrm>
+              <a:off x="8171726" y="2774870"/>
+              <a:ext cx="2844800" cy="1244600"/>
+            </a:xfrm>
+            <a:prstGeom prst="rect">
+              <a:avLst/>
+            </a:prstGeom>
+          </p:spPr>
+        </p:pic>
+      </p:grpSp>
+      <p:pic>
+        <p:nvPicPr>
+          <p:cNvPr id="22" name="Graphic 21" descr="Factory">
+            <a:extLst>
+              <a:ext uri="{FF2B5EF4-FFF2-40B4-BE49-F238E27FC236}">
+                <a16:creationId xmlns:a16="http://schemas.microsoft.com/office/drawing/2014/main" id="{8B779A78-3CD9-7849-819A-5D794107FCCE}"/>
+              </a:ext>
+            </a:extLst>
+          </p:cNvPr>
+          <p:cNvPicPr>
+            <a:picLocks noChangeAspect="1"/>
+          </p:cNvPicPr>
+          <p:nvPr/>
+        </p:nvPicPr>
+        <p:blipFill>
+          <a:blip r:embed="rId5">
+            <a:extLst>
+              <a:ext uri="{96DAC541-7B7A-43D3-8B79-37D633B846F1}">
+                <asvg:svgBlip xmlns:asvg="http://schemas.microsoft.com/office/drawing/2016/SVG/main" r:embed="rId6"/>
+              </a:ext>
+            </a:extLst>
+          </a:blip>
+          <a:stretch>
+            <a:fillRect/>
+          </a:stretch>
+        </p:blipFill>
+        <p:spPr>
+          <a:xfrm>
+            <a:off x="4917318" y="2241449"/>
+            <a:ext cx="1141085" cy="1141085"/>
+          </a:xfrm>
+          <a:prstGeom prst="rect">
+            <a:avLst/>
+          </a:prstGeom>
+        </p:spPr>
+      </p:pic>
+      <p:sp>
+        <p:nvSpPr>
+          <p:cNvPr id="23" name="TextBox 22">
+            <a:extLst>
+              <a:ext uri="{FF2B5EF4-FFF2-40B4-BE49-F238E27FC236}">
+                <a16:creationId xmlns:a16="http://schemas.microsoft.com/office/drawing/2014/main" id="{EB6FE2CD-8FD6-E345-80E7-DC9814A1DD85}"/>
+              </a:ext>
+            </a:extLst>
+          </p:cNvPr>
+          <p:cNvSpPr txBox="1"/>
+          <p:nvPr/>
+        </p:nvSpPr>
+        <p:spPr>
+          <a:xfrm>
+            <a:off x="5487859" y="2383392"/>
+            <a:ext cx="359394" cy="248209"/>
+          </a:xfrm>
+          <a:prstGeom prst="rect">
+            <a:avLst/>
+          </a:prstGeom>
+          <a:noFill/>
+        </p:spPr>
+        <p:txBody>
+          <a:bodyPr wrap="none" rtlCol="0">
+            <a:spAutoFit/>
+          </a:bodyPr>
+          <a:lstStyle/>
+          <a:p>
+            <a:r>
+              <a:rPr lang="en-US" sz="1013" dirty="0"/>
+              <a:t>API</a:t>
+            </a:r>
+          </a:p>
+        </p:txBody>
+      </p:sp>
+      <p:sp>
+        <p:nvSpPr>
+          <p:cNvPr id="24" name="TextBox 23">
+            <a:extLst>
+              <a:ext uri="{FF2B5EF4-FFF2-40B4-BE49-F238E27FC236}">
+                <a16:creationId xmlns:a16="http://schemas.microsoft.com/office/drawing/2014/main" id="{87B77BAD-AAC1-3F44-99C5-5B981995157D}"/>
+              </a:ext>
+            </a:extLst>
+          </p:cNvPr>
+          <p:cNvSpPr txBox="1"/>
+          <p:nvPr/>
+        </p:nvSpPr>
+        <p:spPr>
+          <a:xfrm>
+            <a:off x="1119851" y="2600529"/>
+            <a:ext cx="490840" cy="248209"/>
+          </a:xfrm>
+          <a:prstGeom prst="rect">
+            <a:avLst/>
+          </a:prstGeom>
+          <a:noFill/>
+        </p:spPr>
+        <p:txBody>
+          <a:bodyPr wrap="none" rtlCol="0">
+            <a:spAutoFit/>
+          </a:bodyPr>
+          <a:lstStyle/>
+          <a:p>
+            <a:r>
+              <a:rPr lang="en-US" sz="1013" dirty="0"/>
+              <a:t>Client</a:t>
+            </a:r>
+          </a:p>
+        </p:txBody>
+      </p:sp>
+      <p:cxnSp>
+        <p:nvCxnSpPr>
+          <p:cNvPr id="3" name="Straight Arrow Connector 2">
+            <a:extLst>
+              <a:ext uri="{FF2B5EF4-FFF2-40B4-BE49-F238E27FC236}">
+                <a16:creationId xmlns:a16="http://schemas.microsoft.com/office/drawing/2014/main" id="{46DE9581-5099-3941-BA5A-6A6EA659A32B}"/>
+              </a:ext>
+            </a:extLst>
+          </p:cNvPr>
+          <p:cNvCxnSpPr/>
+          <p:nvPr/>
+        </p:nvCxnSpPr>
+        <p:spPr>
+          <a:xfrm>
+            <a:off x="2474844" y="2877527"/>
+            <a:ext cx="2256182" cy="0"/>
+          </a:xfrm>
+          <a:prstGeom prst="straightConnector1">
+            <a:avLst/>
+          </a:prstGeom>
+          <a:ln w="57150">
+            <a:solidFill>
+              <a:schemeClr val="bg2">
+                <a:lumMod val="25000"/>
+              </a:schemeClr>
+            </a:solidFill>
+            <a:tailEnd type="triangle"/>
+          </a:ln>
+        </p:spPr>
+        <p:style>
+          <a:lnRef idx="1">
+            <a:schemeClr val="accent1"/>
+          </a:lnRef>
+          <a:fillRef idx="0">
+            <a:schemeClr val="accent1"/>
+          </a:fillRef>
+          <a:effectRef idx="0">
+            <a:schemeClr val="accent1"/>
+          </a:effectRef>
+          <a:fontRef idx="minor">
+            <a:schemeClr val="tx1"/>
+          </a:fontRef>
+        </p:style>
+      </p:cxnSp>
+      <p:cxnSp>
+        <p:nvCxnSpPr>
+          <p:cNvPr id="15" name="Straight Arrow Connector 14">
+            <a:extLst>
+              <a:ext uri="{FF2B5EF4-FFF2-40B4-BE49-F238E27FC236}">
+                <a16:creationId xmlns:a16="http://schemas.microsoft.com/office/drawing/2014/main" id="{F7D83EB1-AEC1-8A49-8305-DAD2522530BC}"/>
+              </a:ext>
+            </a:extLst>
+          </p:cNvPr>
+          <p:cNvCxnSpPr>
+            <a:cxnSpLocks/>
+          </p:cNvCxnSpPr>
+          <p:nvPr/>
+        </p:nvCxnSpPr>
+        <p:spPr>
+          <a:xfrm>
+            <a:off x="6177171" y="2877527"/>
+            <a:ext cx="561561" cy="0"/>
+          </a:xfrm>
+          <a:prstGeom prst="straightConnector1">
+            <a:avLst/>
+          </a:prstGeom>
+          <a:ln w="57150">
+            <a:solidFill>
+              <a:schemeClr val="bg2">
+                <a:lumMod val="25000"/>
+              </a:schemeClr>
+            </a:solidFill>
+            <a:tailEnd type="triangle"/>
+          </a:ln>
+        </p:spPr>
+        <p:style>
+          <a:lnRef idx="1">
+            <a:schemeClr val="accent1"/>
+          </a:lnRef>
+          <a:fillRef idx="0">
+            <a:schemeClr val="accent1"/>
+          </a:fillRef>
+          <a:effectRef idx="0">
+            <a:schemeClr val="accent1"/>
+          </a:effectRef>
+          <a:fontRef idx="minor">
+            <a:schemeClr val="tx1"/>
+          </a:fontRef>
+        </p:style>
+      </p:cxnSp>
+      <p:sp>
+        <p:nvSpPr>
+          <p:cNvPr id="6" name="TextBox 5">
+            <a:extLst>
+              <a:ext uri="{FF2B5EF4-FFF2-40B4-BE49-F238E27FC236}">
+                <a16:creationId xmlns:a16="http://schemas.microsoft.com/office/drawing/2014/main" id="{7710FEA0-8461-9B4E-9125-B333FC3F7522}"/>
+              </a:ext>
+            </a:extLst>
+          </p:cNvPr>
+          <p:cNvSpPr txBox="1"/>
+          <p:nvPr/>
+        </p:nvSpPr>
+        <p:spPr>
+          <a:xfrm>
+            <a:off x="6244870" y="2537866"/>
+            <a:ext cx="357790" cy="248209"/>
+          </a:xfrm>
+          <a:prstGeom prst="rect">
+            <a:avLst/>
+          </a:prstGeom>
+          <a:noFill/>
+        </p:spPr>
+        <p:txBody>
+          <a:bodyPr wrap="none" rtlCol="0">
+            <a:spAutoFit/>
+          </a:bodyPr>
+          <a:lstStyle/>
+          <a:p>
+            <a:r>
+              <a:rPr lang="en-US" sz="1013" dirty="0"/>
+              <a:t>②</a:t>
+            </a:r>
+          </a:p>
+        </p:txBody>
+      </p:sp>
+      <p:sp>
+        <p:nvSpPr>
+          <p:cNvPr id="21" name="TextBox 20">
+            <a:extLst>
+              <a:ext uri="{FF2B5EF4-FFF2-40B4-BE49-F238E27FC236}">
+                <a16:creationId xmlns:a16="http://schemas.microsoft.com/office/drawing/2014/main" id="{3BF3A150-B9F1-504F-8EA8-7A121C1B0ED3}"/>
+              </a:ext>
+            </a:extLst>
+          </p:cNvPr>
+          <p:cNvSpPr txBox="1"/>
+          <p:nvPr/>
+        </p:nvSpPr>
+        <p:spPr>
+          <a:xfrm>
+            <a:off x="3418869" y="2572180"/>
+            <a:ext cx="357790" cy="248209"/>
+          </a:xfrm>
+          <a:prstGeom prst="rect">
+            <a:avLst/>
+          </a:prstGeom>
+          <a:noFill/>
+        </p:spPr>
+        <p:txBody>
+          <a:bodyPr wrap="none" rtlCol="0">
+            <a:spAutoFit/>
+          </a:bodyPr>
+          <a:lstStyle/>
+          <a:p>
+            <a:r>
+              <a:rPr lang="en-US" sz="1013" dirty="0"/>
+              <a:t>①</a:t>
+            </a:r>
+          </a:p>
+        </p:txBody>
+      </p:sp>
+      <p:sp>
+        <p:nvSpPr>
+          <p:cNvPr id="16" name="Vertical Scroll 15">
+            <a:extLst>
+              <a:ext uri="{FF2B5EF4-FFF2-40B4-BE49-F238E27FC236}">
+                <a16:creationId xmlns:a16="http://schemas.microsoft.com/office/drawing/2014/main" id="{17F1D9EA-9ED1-104D-980D-D4B4E41FF365}"/>
+              </a:ext>
+            </a:extLst>
+          </p:cNvPr>
+          <p:cNvSpPr/>
+          <p:nvPr/>
+        </p:nvSpPr>
+        <p:spPr>
+          <a:xfrm>
+            <a:off x="4824170" y="2341002"/>
+            <a:ext cx="1327377" cy="1073049"/>
+          </a:xfrm>
+          <a:prstGeom prst="verticalScroll">
+            <a:avLst/>
+          </a:prstGeom>
+          <a:solidFill>
+            <a:schemeClr val="accent1">
+              <a:alpha val="76000"/>
+            </a:schemeClr>
+          </a:solidFill>
+          <a:ln w="28575"/>
+        </p:spPr>
+        <p:style>
+          <a:lnRef idx="2">
+            <a:schemeClr val="accent1">
+              <a:shade val="50000"/>
+            </a:schemeClr>
+          </a:lnRef>
+          <a:fillRef idx="1">
+            <a:schemeClr val="accent1"/>
+          </a:fillRef>
+          <a:effectRef idx="0">
+            <a:schemeClr val="accent1"/>
+          </a:effectRef>
+          <a:fontRef idx="minor">
+            <a:schemeClr val="lt1"/>
+          </a:fontRef>
+        </p:style>
+        <p:txBody>
+          <a:bodyPr rtlCol="0" anchor="ctr"/>
+          <a:lstStyle/>
+          <a:p>
+            <a:pPr algn="ctr"/>
+            <a:r>
+              <a:rPr lang="en-US" dirty="0"/>
+              <a:t>Home</a:t>
+            </a:r>
+          </a:p>
+          <a:p>
+            <a:pPr algn="ctr"/>
+            <a:r>
+              <a:rPr lang="en-US" dirty="0"/>
+              <a:t>Document</a:t>
+            </a:r>
+          </a:p>
+        </p:txBody>
+      </p:sp>
+      <p:sp>
+        <p:nvSpPr>
+          <p:cNvPr id="17" name="Vertical Scroll 16">
+            <a:extLst>
+              <a:ext uri="{FF2B5EF4-FFF2-40B4-BE49-F238E27FC236}">
+                <a16:creationId xmlns:a16="http://schemas.microsoft.com/office/drawing/2014/main" id="{6E5EFB08-5A93-9447-B124-3909379C2460}"/>
+              </a:ext>
+            </a:extLst>
+          </p:cNvPr>
+          <p:cNvSpPr/>
+          <p:nvPr/>
+        </p:nvSpPr>
+        <p:spPr>
+          <a:xfrm>
+            <a:off x="6722088" y="2341002"/>
+            <a:ext cx="1327377" cy="1073049"/>
+          </a:xfrm>
+          <a:prstGeom prst="verticalScroll">
+            <a:avLst/>
+          </a:prstGeom>
+          <a:solidFill>
+            <a:schemeClr val="accent1">
+              <a:alpha val="76000"/>
+            </a:schemeClr>
+          </a:solidFill>
+          <a:ln w="28575"/>
+        </p:spPr>
+        <p:style>
+          <a:lnRef idx="2">
+            <a:schemeClr val="accent1">
+              <a:shade val="50000"/>
+            </a:schemeClr>
+          </a:lnRef>
+          <a:fillRef idx="1">
+            <a:schemeClr val="accent1"/>
+          </a:fillRef>
+          <a:effectRef idx="0">
+            <a:schemeClr val="accent1"/>
+          </a:effectRef>
+          <a:fontRef idx="minor">
+            <a:schemeClr val="lt1"/>
+          </a:fontRef>
+        </p:style>
+        <p:txBody>
+          <a:bodyPr rtlCol="0" anchor="ctr"/>
+          <a:lstStyle/>
+          <a:p>
+            <a:pPr algn="ctr"/>
+            <a:r>
+              <a:rPr lang="en-US" dirty="0"/>
+              <a:t>Label</a:t>
+            </a:r>
+          </a:p>
+          <a:p>
+            <a:pPr algn="ctr"/>
+            <a:r>
+              <a:rPr lang="en-US" dirty="0"/>
+              <a:t>Document</a:t>
+            </a:r>
+          </a:p>
+        </p:txBody>
+      </p:sp>
+    </p:spTree>
+    <p:extLst>
+      <p:ext uri="{BB962C8B-B14F-4D97-AF65-F5344CB8AC3E}">
+        <p14:creationId xmlns:p14="http://schemas.microsoft.com/office/powerpoint/2010/main" val="2417777601"/>
+      </p:ext>
+    </p:extLst>
+  </p:cSld>
+  <p:clrMapOvr>
+    <a:masterClrMapping/>
+  </p:clrMapOvr>
+</p:sld>
+</file>
+
 <file path=ppt/theme/theme1.xml><?xml version="1.0" encoding="utf-8"?>
 <a:theme xmlns:a="http://schemas.openxmlformats.org/drawingml/2006/main" name="Office Theme">
   <a:themeElements>

--- a/apistrat-2018/img/label-scenarios.pptx
+++ b/apistrat-2018/img/label-scenarios.pptx
@@ -6,11 +6,12 @@
   </p:sldMasterIdLst>
   <p:sldIdLst>
     <p:sldId id="260" r:id="rId2"/>
-    <p:sldId id="256" r:id="rId3"/>
-    <p:sldId id="261" r:id="rId4"/>
-    <p:sldId id="262" r:id="rId5"/>
-    <p:sldId id="263" r:id="rId6"/>
-    <p:sldId id="264" r:id="rId7"/>
+    <p:sldId id="265" r:id="rId3"/>
+    <p:sldId id="256" r:id="rId4"/>
+    <p:sldId id="261" r:id="rId5"/>
+    <p:sldId id="262" r:id="rId6"/>
+    <p:sldId id="263" r:id="rId7"/>
+    <p:sldId id="264" r:id="rId8"/>
   </p:sldIdLst>
   <p:sldSz cx="9144000" cy="5715000" type="screen16x10"/>
   <p:notesSz cx="6858000" cy="9144000"/>
@@ -2980,6 +2981,387 @@
       </p:grpSpPr>
       <p:pic>
         <p:nvPicPr>
+          <p:cNvPr id="1026" name="Picture 2" descr="https://s11475.pcdn.co/wp-content/uploads/2013/07/E-label-Vacuum-Cleaner.png">
+            <a:extLst>
+              <a:ext uri="{FF2B5EF4-FFF2-40B4-BE49-F238E27FC236}">
+                <a16:creationId xmlns:a16="http://schemas.microsoft.com/office/drawing/2014/main" id="{81FB6386-D443-1F41-AD6D-142C15768F55}"/>
+              </a:ext>
+            </a:extLst>
+          </p:cNvPr>
+          <p:cNvPicPr>
+            <a:picLocks noChangeAspect="1" noChangeArrowheads="1"/>
+          </p:cNvPicPr>
+          <p:nvPr/>
+        </p:nvPicPr>
+        <p:blipFill>
+          <a:blip r:embed="rId2">
+            <a:extLst>
+              <a:ext uri="{28A0092B-C50C-407E-A947-70E740481C1C}">
+                <a14:useLocalDpi xmlns:a14="http://schemas.microsoft.com/office/drawing/2010/main" val="0"/>
+              </a:ext>
+            </a:extLst>
+          </a:blip>
+          <a:srcRect/>
+          <a:stretch>
+            <a:fillRect/>
+          </a:stretch>
+        </p:blipFill>
+        <p:spPr bwMode="auto">
+          <a:xfrm>
+            <a:off x="6925199" y="1783291"/>
+            <a:ext cx="1018413" cy="2057400"/>
+          </a:xfrm>
+          <a:prstGeom prst="rect">
+            <a:avLst/>
+          </a:prstGeom>
+          <a:noFill/>
+          <a:extLst>
+            <a:ext uri="{909E8E84-426E-40DD-AFC4-6F175D3DCCD1}">
+              <a14:hiddenFill xmlns:a14="http://schemas.microsoft.com/office/drawing/2010/main">
+                <a:solidFill>
+                  <a:srgbClr val="FFFFFF"/>
+                </a:solidFill>
+              </a14:hiddenFill>
+            </a:ext>
+          </a:extLst>
+        </p:spPr>
+      </p:pic>
+      <p:pic>
+        <p:nvPicPr>
+          <p:cNvPr id="5" name="Graphic 4" descr="Computer">
+            <a:extLst>
+              <a:ext uri="{FF2B5EF4-FFF2-40B4-BE49-F238E27FC236}">
+                <a16:creationId xmlns:a16="http://schemas.microsoft.com/office/drawing/2014/main" id="{D8754196-1339-944B-8F20-51D129ACAE34}"/>
+              </a:ext>
+            </a:extLst>
+          </p:cNvPr>
+          <p:cNvPicPr>
+            <a:picLocks noChangeAspect="1"/>
+          </p:cNvPicPr>
+          <p:nvPr/>
+        </p:nvPicPr>
+        <p:blipFill>
+          <a:blip r:embed="rId3">
+            <a:extLst>
+              <a:ext uri="{96DAC541-7B7A-43D3-8B79-37D633B846F1}">
+                <asvg:svgBlip xmlns:asvg="http://schemas.microsoft.com/office/drawing/2016/SVG/main" r:embed="rId4"/>
+              </a:ext>
+            </a:extLst>
+          </a:blip>
+          <a:stretch>
+            <a:fillRect/>
+          </a:stretch>
+        </p:blipFill>
+        <p:spPr>
+          <a:xfrm>
+            <a:off x="1009160" y="2244109"/>
+            <a:ext cx="1135766" cy="1135766"/>
+          </a:xfrm>
+          <a:prstGeom prst="rect">
+            <a:avLst/>
+          </a:prstGeom>
+        </p:spPr>
+      </p:pic>
+      <p:pic>
+        <p:nvPicPr>
+          <p:cNvPr id="22" name="Graphic 21" descr="Factory">
+            <a:extLst>
+              <a:ext uri="{FF2B5EF4-FFF2-40B4-BE49-F238E27FC236}">
+                <a16:creationId xmlns:a16="http://schemas.microsoft.com/office/drawing/2014/main" id="{8B779A78-3CD9-7849-819A-5D794107FCCE}"/>
+              </a:ext>
+            </a:extLst>
+          </p:cNvPr>
+          <p:cNvPicPr>
+            <a:picLocks noChangeAspect="1"/>
+          </p:cNvPicPr>
+          <p:nvPr/>
+        </p:nvPicPr>
+        <p:blipFill>
+          <a:blip r:embed="rId5">
+            <a:extLst>
+              <a:ext uri="{96DAC541-7B7A-43D3-8B79-37D633B846F1}">
+                <asvg:svgBlip xmlns:asvg="http://schemas.microsoft.com/office/drawing/2016/SVG/main" r:embed="rId6"/>
+              </a:ext>
+            </a:extLst>
+          </a:blip>
+          <a:stretch>
+            <a:fillRect/>
+          </a:stretch>
+        </p:blipFill>
+        <p:spPr>
+          <a:xfrm>
+            <a:off x="4917318" y="2241449"/>
+            <a:ext cx="1141085" cy="1141085"/>
+          </a:xfrm>
+          <a:prstGeom prst="rect">
+            <a:avLst/>
+          </a:prstGeom>
+        </p:spPr>
+      </p:pic>
+      <p:cxnSp>
+        <p:nvCxnSpPr>
+          <p:cNvPr id="3" name="Straight Arrow Connector 2">
+            <a:extLst>
+              <a:ext uri="{FF2B5EF4-FFF2-40B4-BE49-F238E27FC236}">
+                <a16:creationId xmlns:a16="http://schemas.microsoft.com/office/drawing/2014/main" id="{46DE9581-5099-3941-BA5A-6A6EA659A32B}"/>
+              </a:ext>
+            </a:extLst>
+          </p:cNvPr>
+          <p:cNvCxnSpPr/>
+          <p:nvPr/>
+        </p:nvCxnSpPr>
+        <p:spPr>
+          <a:xfrm>
+            <a:off x="2474844" y="2877527"/>
+            <a:ext cx="2256182" cy="0"/>
+          </a:xfrm>
+          <a:prstGeom prst="straightConnector1">
+            <a:avLst/>
+          </a:prstGeom>
+          <a:ln w="57150">
+            <a:solidFill>
+              <a:schemeClr val="bg2">
+                <a:lumMod val="25000"/>
+              </a:schemeClr>
+            </a:solidFill>
+            <a:tailEnd type="triangle"/>
+          </a:ln>
+        </p:spPr>
+        <p:style>
+          <a:lnRef idx="1">
+            <a:schemeClr val="accent1"/>
+          </a:lnRef>
+          <a:fillRef idx="0">
+            <a:schemeClr val="accent1"/>
+          </a:fillRef>
+          <a:effectRef idx="0">
+            <a:schemeClr val="accent1"/>
+          </a:effectRef>
+          <a:fontRef idx="minor">
+            <a:schemeClr val="tx1"/>
+          </a:fontRef>
+        </p:style>
+      </p:cxnSp>
+      <p:cxnSp>
+        <p:nvCxnSpPr>
+          <p:cNvPr id="15" name="Straight Arrow Connector 14">
+            <a:extLst>
+              <a:ext uri="{FF2B5EF4-FFF2-40B4-BE49-F238E27FC236}">
+                <a16:creationId xmlns:a16="http://schemas.microsoft.com/office/drawing/2014/main" id="{F7D83EB1-AEC1-8A49-8305-DAD2522530BC}"/>
+              </a:ext>
+            </a:extLst>
+          </p:cNvPr>
+          <p:cNvCxnSpPr>
+            <a:cxnSpLocks/>
+          </p:cNvCxnSpPr>
+          <p:nvPr/>
+        </p:nvCxnSpPr>
+        <p:spPr>
+          <a:xfrm>
+            <a:off x="6177171" y="2877527"/>
+            <a:ext cx="561561" cy="0"/>
+          </a:xfrm>
+          <a:prstGeom prst="straightConnector1">
+            <a:avLst/>
+          </a:prstGeom>
+          <a:ln w="57150">
+            <a:solidFill>
+              <a:schemeClr val="bg2">
+                <a:lumMod val="25000"/>
+              </a:schemeClr>
+            </a:solidFill>
+            <a:tailEnd type="triangle"/>
+          </a:ln>
+        </p:spPr>
+        <p:style>
+          <a:lnRef idx="1">
+            <a:schemeClr val="accent1"/>
+          </a:lnRef>
+          <a:fillRef idx="0">
+            <a:schemeClr val="accent1"/>
+          </a:fillRef>
+          <a:effectRef idx="0">
+            <a:schemeClr val="accent1"/>
+          </a:effectRef>
+          <a:fontRef idx="minor">
+            <a:schemeClr val="tx1"/>
+          </a:fontRef>
+        </p:style>
+      </p:cxnSp>
+      <p:sp>
+        <p:nvSpPr>
+          <p:cNvPr id="6" name="TextBox 5">
+            <a:extLst>
+              <a:ext uri="{FF2B5EF4-FFF2-40B4-BE49-F238E27FC236}">
+                <a16:creationId xmlns:a16="http://schemas.microsoft.com/office/drawing/2014/main" id="{7710FEA0-8461-9B4E-9125-B333FC3F7522}"/>
+              </a:ext>
+            </a:extLst>
+          </p:cNvPr>
+          <p:cNvSpPr txBox="1"/>
+          <p:nvPr/>
+        </p:nvSpPr>
+        <p:spPr>
+          <a:xfrm>
+            <a:off x="6244870" y="2537866"/>
+            <a:ext cx="357790" cy="248209"/>
+          </a:xfrm>
+          <a:prstGeom prst="rect">
+            <a:avLst/>
+          </a:prstGeom>
+          <a:noFill/>
+        </p:spPr>
+        <p:txBody>
+          <a:bodyPr wrap="none" rtlCol="0">
+            <a:spAutoFit/>
+          </a:bodyPr>
+          <a:lstStyle/>
+          <a:p>
+            <a:r>
+              <a:rPr lang="en-US" sz="1013" dirty="0"/>
+              <a:t>②</a:t>
+            </a:r>
+          </a:p>
+        </p:txBody>
+      </p:sp>
+      <p:sp>
+        <p:nvSpPr>
+          <p:cNvPr id="21" name="TextBox 20">
+            <a:extLst>
+              <a:ext uri="{FF2B5EF4-FFF2-40B4-BE49-F238E27FC236}">
+                <a16:creationId xmlns:a16="http://schemas.microsoft.com/office/drawing/2014/main" id="{3BF3A150-B9F1-504F-8EA8-7A121C1B0ED3}"/>
+              </a:ext>
+            </a:extLst>
+          </p:cNvPr>
+          <p:cNvSpPr txBox="1"/>
+          <p:nvPr/>
+        </p:nvSpPr>
+        <p:spPr>
+          <a:xfrm>
+            <a:off x="3418869" y="2572180"/>
+            <a:ext cx="357790" cy="248209"/>
+          </a:xfrm>
+          <a:prstGeom prst="rect">
+            <a:avLst/>
+          </a:prstGeom>
+          <a:noFill/>
+        </p:spPr>
+        <p:txBody>
+          <a:bodyPr wrap="none" rtlCol="0">
+            <a:spAutoFit/>
+          </a:bodyPr>
+          <a:lstStyle/>
+          <a:p>
+            <a:r>
+              <a:rPr lang="en-US" sz="1013" dirty="0"/>
+              <a:t>①</a:t>
+            </a:r>
+          </a:p>
+        </p:txBody>
+      </p:sp>
+      <p:pic>
+        <p:nvPicPr>
+          <p:cNvPr id="4" name="Graphic 3" descr="Children">
+            <a:extLst>
+              <a:ext uri="{FF2B5EF4-FFF2-40B4-BE49-F238E27FC236}">
+                <a16:creationId xmlns:a16="http://schemas.microsoft.com/office/drawing/2014/main" id="{46ADDE8E-ABBE-9D44-9569-20AB9D3420C8}"/>
+              </a:ext>
+            </a:extLst>
+          </p:cNvPr>
+          <p:cNvPicPr>
+            <a:picLocks noChangeAspect="1"/>
+          </p:cNvPicPr>
+          <p:nvPr/>
+        </p:nvPicPr>
+        <p:blipFill>
+          <a:blip r:embed="rId7">
+            <a:extLst>
+              <a:ext uri="{96DAC541-7B7A-43D3-8B79-37D633B846F1}">
+                <asvg:svgBlip xmlns:asvg="http://schemas.microsoft.com/office/drawing/2016/SVG/main" r:embed="rId8"/>
+              </a:ext>
+            </a:extLst>
+          </a:blip>
+          <a:stretch>
+            <a:fillRect/>
+          </a:stretch>
+        </p:blipFill>
+        <p:spPr>
+          <a:xfrm>
+            <a:off x="1069213" y="2283603"/>
+            <a:ext cx="1135766" cy="1135766"/>
+          </a:xfrm>
+          <a:prstGeom prst="rect">
+            <a:avLst/>
+          </a:prstGeom>
+        </p:spPr>
+      </p:pic>
+      <p:pic>
+        <p:nvPicPr>
+          <p:cNvPr id="16" name="Graphic 15" descr="Children">
+            <a:extLst>
+              <a:ext uri="{FF2B5EF4-FFF2-40B4-BE49-F238E27FC236}">
+                <a16:creationId xmlns:a16="http://schemas.microsoft.com/office/drawing/2014/main" id="{3CC9D960-CC45-3545-AF0E-216FE665740F}"/>
+              </a:ext>
+            </a:extLst>
+          </p:cNvPr>
+          <p:cNvPicPr>
+            <a:picLocks noChangeAspect="1"/>
+          </p:cNvPicPr>
+          <p:nvPr/>
+        </p:nvPicPr>
+        <p:blipFill>
+          <a:blip r:embed="rId7">
+            <a:extLst>
+              <a:ext uri="{96DAC541-7B7A-43D3-8B79-37D633B846F1}">
+                <asvg:svgBlip xmlns:asvg="http://schemas.microsoft.com/office/drawing/2016/SVG/main" r:embed="rId8"/>
+              </a:ext>
+            </a:extLst>
+          </a:blip>
+          <a:stretch>
+            <a:fillRect/>
+          </a:stretch>
+        </p:blipFill>
+        <p:spPr>
+          <a:xfrm>
+            <a:off x="4889096" y="2309644"/>
+            <a:ext cx="1135766" cy="1135766"/>
+          </a:xfrm>
+          <a:prstGeom prst="rect">
+            <a:avLst/>
+          </a:prstGeom>
+        </p:spPr>
+      </p:pic>
+    </p:spTree>
+    <p:extLst>
+      <p:ext uri="{BB962C8B-B14F-4D97-AF65-F5344CB8AC3E}">
+        <p14:creationId xmlns:p14="http://schemas.microsoft.com/office/powerpoint/2010/main" val="2359240823"/>
+      </p:ext>
+    </p:extLst>
+  </p:cSld>
+  <p:clrMapOvr>
+    <a:masterClrMapping/>
+  </p:clrMapOvr>
+</p:sld>
+</file>
+
+<file path=ppt/slides/slide2.xml><?xml version="1.0" encoding="utf-8"?>
+<p:sld xmlns:a="http://schemas.openxmlformats.org/drawingml/2006/main" xmlns:r="http://schemas.openxmlformats.org/officeDocument/2006/relationships" xmlns:p="http://schemas.openxmlformats.org/presentationml/2006/main">
+  <p:cSld>
+    <p:spTree>
+      <p:nvGrpSpPr>
+        <p:cNvPr id="1" name=""/>
+        <p:cNvGrpSpPr/>
+        <p:nvPr/>
+      </p:nvGrpSpPr>
+      <p:grpSpPr>
+        <a:xfrm>
+          <a:off x="0" y="0"/>
+          <a:ext cx="0" cy="0"/>
+          <a:chOff x="0" y="0"/>
+          <a:chExt cx="0" cy="0"/>
+        </a:xfrm>
+      </p:grpSpPr>
+      <p:pic>
+        <p:nvPicPr>
           <p:cNvPr id="5" name="Graphic 4" descr="Computer">
             <a:extLst>
               <a:ext uri="{FF2B5EF4-FFF2-40B4-BE49-F238E27FC236}">
@@ -3380,7 +3762,7 @@
     </p:spTree>
     <p:extLst>
       <p:ext uri="{BB962C8B-B14F-4D97-AF65-F5344CB8AC3E}">
-        <p14:creationId xmlns:p14="http://schemas.microsoft.com/office/powerpoint/2010/main" val="2359240823"/>
+        <p14:creationId xmlns:p14="http://schemas.microsoft.com/office/powerpoint/2010/main" val="1547352424"/>
       </p:ext>
     </p:extLst>
   </p:cSld>
@@ -3390,7 +3772,7 @@
 </p:sld>
 </file>
 
-<file path=ppt/slides/slide2.xml><?xml version="1.0" encoding="utf-8"?>
+<file path=ppt/slides/slide3.xml><?xml version="1.0" encoding="utf-8"?>
 <p:sld xmlns:a="http://schemas.openxmlformats.org/drawingml/2006/main" xmlns:r="http://schemas.openxmlformats.org/officeDocument/2006/relationships" xmlns:p="http://schemas.openxmlformats.org/presentationml/2006/main">
   <p:cSld>
     <p:spTree>
@@ -3972,7 +4354,7 @@
 </p:sld>
 </file>
 
-<file path=ppt/slides/slide3.xml><?xml version="1.0" encoding="utf-8"?>
+<file path=ppt/slides/slide4.xml><?xml version="1.0" encoding="utf-8"?>
 <p:sld xmlns:a="http://schemas.openxmlformats.org/drawingml/2006/main" xmlns:r="http://schemas.openxmlformats.org/officeDocument/2006/relationships" xmlns:p="http://schemas.openxmlformats.org/presentationml/2006/main">
   <p:cSld>
     <p:spTree>
@@ -4554,7 +4936,7 @@
 </p:sld>
 </file>
 
-<file path=ppt/slides/slide4.xml><?xml version="1.0" encoding="utf-8"?>
+<file path=ppt/slides/slide5.xml><?xml version="1.0" encoding="utf-8"?>
 <p:sld xmlns:a="http://schemas.openxmlformats.org/drawingml/2006/main" xmlns:r="http://schemas.openxmlformats.org/officeDocument/2006/relationships" xmlns:p="http://schemas.openxmlformats.org/presentationml/2006/main">
   <p:cSld>
     <p:spTree>
@@ -5310,7 +5692,7 @@
 </p:sld>
 </file>
 
-<file path=ppt/slides/slide5.xml><?xml version="1.0" encoding="utf-8"?>
+<file path=ppt/slides/slide6.xml><?xml version="1.0" encoding="utf-8"?>
 <p:sld xmlns:a="http://schemas.openxmlformats.org/drawingml/2006/main" xmlns:r="http://schemas.openxmlformats.org/officeDocument/2006/relationships" xmlns:p="http://schemas.openxmlformats.org/presentationml/2006/main">
   <p:cSld>
     <p:spTree>
@@ -6066,7 +6448,7 @@
 </p:sld>
 </file>
 
-<file path=ppt/slides/slide6.xml><?xml version="1.0" encoding="utf-8"?>
+<file path=ppt/slides/slide7.xml><?xml version="1.0" encoding="utf-8"?>
 <p:sld xmlns:a="http://schemas.openxmlformats.org/drawingml/2006/main" xmlns:r="http://schemas.openxmlformats.org/officeDocument/2006/relationships" xmlns:p="http://schemas.openxmlformats.org/presentationml/2006/main">
   <p:cSld>
     <p:spTree>
